--- a/논문데이터분석(predict Chl-a)/그림 모음/Methodology flowchart.pptx
+++ b/논문데이터분석(predict Chl-a)/그림 모음/Methodology flowchart.pptx
@@ -249,7 +249,7 @@
           <a:p>
             <a:fld id="{2566825D-2B69-4989-8861-A6901ABADB6C}" type="datetimeFigureOut">
               <a:rPr lang="ko-KR" altLang="en-US" smtClean="0"/>
-              <a:t>2023-09-10</a:t>
+              <a:t>2023-09-13</a:t>
             </a:fld>
             <a:endParaRPr lang="ko-KR" altLang="en-US"/>
           </a:p>
@@ -417,7 +417,7 @@
           <a:p>
             <a:fld id="{2566825D-2B69-4989-8861-A6901ABADB6C}" type="datetimeFigureOut">
               <a:rPr lang="ko-KR" altLang="en-US" smtClean="0"/>
-              <a:t>2023-09-10</a:t>
+              <a:t>2023-09-13</a:t>
             </a:fld>
             <a:endParaRPr lang="ko-KR" altLang="en-US"/>
           </a:p>
@@ -595,7 +595,7 @@
           <a:p>
             <a:fld id="{2566825D-2B69-4989-8861-A6901ABADB6C}" type="datetimeFigureOut">
               <a:rPr lang="ko-KR" altLang="en-US" smtClean="0"/>
-              <a:t>2023-09-10</a:t>
+              <a:t>2023-09-13</a:t>
             </a:fld>
             <a:endParaRPr lang="ko-KR" altLang="en-US"/>
           </a:p>
@@ -763,7 +763,7 @@
           <a:p>
             <a:fld id="{2566825D-2B69-4989-8861-A6901ABADB6C}" type="datetimeFigureOut">
               <a:rPr lang="ko-KR" altLang="en-US" smtClean="0"/>
-              <a:t>2023-09-10</a:t>
+              <a:t>2023-09-13</a:t>
             </a:fld>
             <a:endParaRPr lang="ko-KR" altLang="en-US"/>
           </a:p>
@@ -1008,7 +1008,7 @@
           <a:p>
             <a:fld id="{2566825D-2B69-4989-8861-A6901ABADB6C}" type="datetimeFigureOut">
               <a:rPr lang="ko-KR" altLang="en-US" smtClean="0"/>
-              <a:t>2023-09-10</a:t>
+              <a:t>2023-09-13</a:t>
             </a:fld>
             <a:endParaRPr lang="ko-KR" altLang="en-US"/>
           </a:p>
@@ -1237,7 +1237,7 @@
           <a:p>
             <a:fld id="{2566825D-2B69-4989-8861-A6901ABADB6C}" type="datetimeFigureOut">
               <a:rPr lang="ko-KR" altLang="en-US" smtClean="0"/>
-              <a:t>2023-09-10</a:t>
+              <a:t>2023-09-13</a:t>
             </a:fld>
             <a:endParaRPr lang="ko-KR" altLang="en-US"/>
           </a:p>
@@ -1601,7 +1601,7 @@
           <a:p>
             <a:fld id="{2566825D-2B69-4989-8861-A6901ABADB6C}" type="datetimeFigureOut">
               <a:rPr lang="ko-KR" altLang="en-US" smtClean="0"/>
-              <a:t>2023-09-10</a:t>
+              <a:t>2023-09-13</a:t>
             </a:fld>
             <a:endParaRPr lang="ko-KR" altLang="en-US"/>
           </a:p>
@@ -1718,7 +1718,7 @@
           <a:p>
             <a:fld id="{2566825D-2B69-4989-8861-A6901ABADB6C}" type="datetimeFigureOut">
               <a:rPr lang="ko-KR" altLang="en-US" smtClean="0"/>
-              <a:t>2023-09-10</a:t>
+              <a:t>2023-09-13</a:t>
             </a:fld>
             <a:endParaRPr lang="ko-KR" altLang="en-US"/>
           </a:p>
@@ -1813,7 +1813,7 @@
           <a:p>
             <a:fld id="{2566825D-2B69-4989-8861-A6901ABADB6C}" type="datetimeFigureOut">
               <a:rPr lang="ko-KR" altLang="en-US" smtClean="0"/>
-              <a:t>2023-09-10</a:t>
+              <a:t>2023-09-13</a:t>
             </a:fld>
             <a:endParaRPr lang="ko-KR" altLang="en-US"/>
           </a:p>
@@ -2088,7 +2088,7 @@
           <a:p>
             <a:fld id="{2566825D-2B69-4989-8861-A6901ABADB6C}" type="datetimeFigureOut">
               <a:rPr lang="ko-KR" altLang="en-US" smtClean="0"/>
-              <a:t>2023-09-10</a:t>
+              <a:t>2023-09-13</a:t>
             </a:fld>
             <a:endParaRPr lang="ko-KR" altLang="en-US"/>
           </a:p>
@@ -2340,7 +2340,7 @@
           <a:p>
             <a:fld id="{2566825D-2B69-4989-8861-A6901ABADB6C}" type="datetimeFigureOut">
               <a:rPr lang="ko-KR" altLang="en-US" smtClean="0"/>
-              <a:t>2023-09-10</a:t>
+              <a:t>2023-09-13</a:t>
             </a:fld>
             <a:endParaRPr lang="ko-KR" altLang="en-US"/>
           </a:p>
@@ -2551,7 +2551,7 @@
           <a:p>
             <a:fld id="{2566825D-2B69-4989-8861-A6901ABADB6C}" type="datetimeFigureOut">
               <a:rPr lang="ko-KR" altLang="en-US" smtClean="0"/>
-              <a:t>2023-09-10</a:t>
+              <a:t>2023-09-13</a:t>
             </a:fld>
             <a:endParaRPr lang="ko-KR" altLang="en-US"/>
           </a:p>
@@ -2958,6 +2958,129 @@
       </p:grpSpPr>
       <p:sp>
         <p:nvSpPr>
+          <p:cNvPr id="58" name="직사각형 57"/>
+          <p:cNvSpPr/>
+          <p:nvPr/>
+        </p:nvSpPr>
+        <p:spPr>
+          <a:xfrm>
+            <a:off x="3765665" y="6242949"/>
+            <a:ext cx="7082444" cy="390607"/>
+          </a:xfrm>
+          <a:prstGeom prst="rect">
+            <a:avLst/>
+          </a:prstGeom>
+          <a:noFill/>
+        </p:spPr>
+        <p:style>
+          <a:lnRef idx="2">
+            <a:schemeClr val="accent1">
+              <a:shade val="50000"/>
+            </a:schemeClr>
+          </a:lnRef>
+          <a:fillRef idx="1">
+            <a:schemeClr val="accent1"/>
+          </a:fillRef>
+          <a:effectRef idx="0">
+            <a:schemeClr val="accent1"/>
+          </a:effectRef>
+          <a:fontRef idx="minor">
+            <a:schemeClr val="lt1"/>
+          </a:fontRef>
+        </p:style>
+        <p:txBody>
+          <a:bodyPr rtlCol="0" anchor="ctr"/>
+          <a:lstStyle/>
+          <a:p>
+            <a:pPr algn="ctr"/>
+            <a:endParaRPr lang="ko-KR" altLang="en-US"/>
+          </a:p>
+        </p:txBody>
+      </p:sp>
+      <p:sp>
+        <p:nvSpPr>
+          <p:cNvPr id="57" name="직사각형 56"/>
+          <p:cNvSpPr/>
+          <p:nvPr/>
+        </p:nvSpPr>
+        <p:spPr>
+          <a:xfrm>
+            <a:off x="1928582" y="5725879"/>
+            <a:ext cx="6085111" cy="392288"/>
+          </a:xfrm>
+          <a:prstGeom prst="rect">
+            <a:avLst/>
+          </a:prstGeom>
+          <a:noFill/>
+        </p:spPr>
+        <p:style>
+          <a:lnRef idx="2">
+            <a:schemeClr val="accent1">
+              <a:shade val="50000"/>
+            </a:schemeClr>
+          </a:lnRef>
+          <a:fillRef idx="1">
+            <a:schemeClr val="accent1"/>
+          </a:fillRef>
+          <a:effectRef idx="0">
+            <a:schemeClr val="accent1"/>
+          </a:effectRef>
+          <a:fontRef idx="minor">
+            <a:schemeClr val="lt1"/>
+          </a:fontRef>
+        </p:style>
+        <p:txBody>
+          <a:bodyPr rtlCol="0" anchor="ctr"/>
+          <a:lstStyle/>
+          <a:p>
+            <a:pPr algn="ctr"/>
+            <a:endParaRPr lang="ko-KR" altLang="en-US"/>
+          </a:p>
+        </p:txBody>
+      </p:sp>
+      <p:sp>
+        <p:nvSpPr>
+          <p:cNvPr id="56" name="직사각형 55"/>
+          <p:cNvSpPr/>
+          <p:nvPr/>
+        </p:nvSpPr>
+        <p:spPr>
+          <a:xfrm>
+            <a:off x="518885" y="5045825"/>
+            <a:ext cx="10512104" cy="548640"/>
+          </a:xfrm>
+          <a:prstGeom prst="rect">
+            <a:avLst/>
+          </a:prstGeom>
+          <a:noFill/>
+        </p:spPr>
+        <p:style>
+          <a:lnRef idx="2">
+            <a:schemeClr val="accent1">
+              <a:shade val="50000"/>
+            </a:schemeClr>
+          </a:lnRef>
+          <a:fillRef idx="1">
+            <a:schemeClr val="accent1"/>
+          </a:fillRef>
+          <a:effectRef idx="0">
+            <a:schemeClr val="accent1"/>
+          </a:effectRef>
+          <a:fontRef idx="minor">
+            <a:schemeClr val="lt1"/>
+          </a:fontRef>
+        </p:style>
+        <p:txBody>
+          <a:bodyPr rtlCol="0" anchor="ctr"/>
+          <a:lstStyle/>
+          <a:p>
+            <a:pPr algn="ctr"/>
+            <a:endParaRPr lang="ko-KR" altLang="en-US"/>
+          </a:p>
+        </p:txBody>
+      </p:sp>
+      <p:sp>
+        <p:nvSpPr>
           <p:cNvPr id="4" name="순서도: 처리 3">
             <a:extLst>
               <a:ext uri="{FF2B5EF4-FFF2-40B4-BE49-F238E27FC236}">
@@ -3185,86 +3308,6 @@
           </a:p>
         </p:txBody>
       </p:sp>
-      <p:cxnSp>
-        <p:nvCxnSpPr>
-          <p:cNvPr id="9" name="직선 화살표 연결선 8">
-            <a:extLst>
-              <a:ext uri="{FF2B5EF4-FFF2-40B4-BE49-F238E27FC236}">
-                <a16:creationId xmlns:a16="http://schemas.microsoft.com/office/drawing/2014/main" id="{35D7A332-4EB5-1EC3-6741-C9B08FE964A5}"/>
-              </a:ext>
-            </a:extLst>
-          </p:cNvPr>
-          <p:cNvCxnSpPr/>
-          <p:nvPr/>
-        </p:nvCxnSpPr>
-        <p:spPr>
-          <a:xfrm flipV="1">
-            <a:off x="1171122" y="1468662"/>
-            <a:ext cx="1005113" cy="609602"/>
-          </a:xfrm>
-          <a:prstGeom prst="straightConnector1">
-            <a:avLst/>
-          </a:prstGeom>
-          <a:ln>
-            <a:tailEnd type="triangle"/>
-          </a:ln>
-        </p:spPr>
-        <p:style>
-          <a:lnRef idx="1">
-            <a:schemeClr val="accent1"/>
-          </a:lnRef>
-          <a:fillRef idx="0">
-            <a:schemeClr val="accent1"/>
-          </a:fillRef>
-          <a:effectRef idx="0">
-            <a:schemeClr val="accent1"/>
-          </a:effectRef>
-          <a:fontRef idx="minor">
-            <a:schemeClr val="tx1"/>
-          </a:fontRef>
-        </p:style>
-      </p:cxnSp>
-      <p:cxnSp>
-        <p:nvCxnSpPr>
-          <p:cNvPr id="11" name="직선 화살표 연결선 10">
-            <a:extLst>
-              <a:ext uri="{FF2B5EF4-FFF2-40B4-BE49-F238E27FC236}">
-                <a16:creationId xmlns:a16="http://schemas.microsoft.com/office/drawing/2014/main" id="{375F8E45-7240-8AC5-67EE-06B01FA64014}"/>
-              </a:ext>
-            </a:extLst>
-          </p:cNvPr>
-          <p:cNvCxnSpPr>
-            <a:cxnSpLocks/>
-          </p:cNvCxnSpPr>
-          <p:nvPr/>
-        </p:nvCxnSpPr>
-        <p:spPr>
-          <a:xfrm flipH="1" flipV="1">
-            <a:off x="2316842" y="1409699"/>
-            <a:ext cx="1079495" cy="837112"/>
-          </a:xfrm>
-          <a:prstGeom prst="straightConnector1">
-            <a:avLst/>
-          </a:prstGeom>
-          <a:ln>
-            <a:tailEnd type="triangle"/>
-          </a:ln>
-        </p:spPr>
-        <p:style>
-          <a:lnRef idx="1">
-            <a:schemeClr val="accent1"/>
-          </a:lnRef>
-          <a:fillRef idx="0">
-            <a:schemeClr val="accent1"/>
-          </a:fillRef>
-          <a:effectRef idx="0">
-            <a:schemeClr val="accent1"/>
-          </a:effectRef>
-          <a:fontRef idx="minor">
-            <a:schemeClr val="tx1"/>
-          </a:fontRef>
-        </p:style>
-      </p:cxnSp>
       <p:sp>
         <p:nvSpPr>
           <p:cNvPr id="12" name="화살표: 오른쪽 11">
@@ -3447,47 +3490,6 @@
           </a:p>
         </p:txBody>
       </p:sp>
-      <p:cxnSp>
-        <p:nvCxnSpPr>
-          <p:cNvPr id="15" name="직선 화살표 연결선 14">
-            <a:extLst>
-              <a:ext uri="{FF2B5EF4-FFF2-40B4-BE49-F238E27FC236}">
-                <a16:creationId xmlns:a16="http://schemas.microsoft.com/office/drawing/2014/main" id="{B16D372E-4A89-71EB-8B62-735729BA280A}"/>
-              </a:ext>
-            </a:extLst>
-          </p:cNvPr>
-          <p:cNvCxnSpPr>
-            <a:cxnSpLocks/>
-          </p:cNvCxnSpPr>
-          <p:nvPr/>
-        </p:nvCxnSpPr>
-        <p:spPr>
-          <a:xfrm flipV="1">
-            <a:off x="7539264" y="1459589"/>
-            <a:ext cx="1259112" cy="654959"/>
-          </a:xfrm>
-          <a:prstGeom prst="straightConnector1">
-            <a:avLst/>
-          </a:prstGeom>
-          <a:ln>
-            <a:tailEnd type="triangle"/>
-          </a:ln>
-        </p:spPr>
-        <p:style>
-          <a:lnRef idx="1">
-            <a:schemeClr val="accent1"/>
-          </a:lnRef>
-          <a:fillRef idx="0">
-            <a:schemeClr val="accent1"/>
-          </a:fillRef>
-          <a:effectRef idx="0">
-            <a:schemeClr val="accent1"/>
-          </a:effectRef>
-          <a:fontRef idx="minor">
-            <a:schemeClr val="tx1"/>
-          </a:fontRef>
-        </p:style>
-      </p:cxnSp>
       <p:sp>
         <p:nvSpPr>
           <p:cNvPr id="16" name="TextBox 15">
@@ -3540,47 +3542,6 @@
           </a:p>
         </p:txBody>
       </p:sp>
-      <p:cxnSp>
-        <p:nvCxnSpPr>
-          <p:cNvPr id="17" name="직선 화살표 연결선 16">
-            <a:extLst>
-              <a:ext uri="{FF2B5EF4-FFF2-40B4-BE49-F238E27FC236}">
-                <a16:creationId xmlns:a16="http://schemas.microsoft.com/office/drawing/2014/main" id="{D15A2A0B-DF97-FD6A-AA6D-B5E6461D70ED}"/>
-              </a:ext>
-            </a:extLst>
-          </p:cNvPr>
-          <p:cNvCxnSpPr>
-            <a:cxnSpLocks/>
-          </p:cNvCxnSpPr>
-          <p:nvPr/>
-        </p:nvCxnSpPr>
-        <p:spPr>
-          <a:xfrm flipH="1" flipV="1">
-            <a:off x="9070519" y="1495875"/>
-            <a:ext cx="1208316" cy="927102"/>
-          </a:xfrm>
-          <a:prstGeom prst="straightConnector1">
-            <a:avLst/>
-          </a:prstGeom>
-          <a:ln>
-            <a:tailEnd type="triangle"/>
-          </a:ln>
-        </p:spPr>
-        <p:style>
-          <a:lnRef idx="1">
-            <a:schemeClr val="accent1"/>
-          </a:lnRef>
-          <a:fillRef idx="0">
-            <a:schemeClr val="accent1"/>
-          </a:fillRef>
-          <a:effectRef idx="0">
-            <a:schemeClr val="accent1"/>
-          </a:effectRef>
-          <a:fontRef idx="minor">
-            <a:schemeClr val="tx1"/>
-          </a:fontRef>
-        </p:style>
-      </p:cxnSp>
       <p:sp>
         <p:nvSpPr>
           <p:cNvPr id="18" name="TextBox 17">
@@ -3696,47 +3657,6 @@
           </a:p>
         </p:txBody>
       </p:sp>
-      <p:cxnSp>
-        <p:nvCxnSpPr>
-          <p:cNvPr id="19" name="직선 화살표 연결선 18">
-            <a:extLst>
-              <a:ext uri="{FF2B5EF4-FFF2-40B4-BE49-F238E27FC236}">
-                <a16:creationId xmlns:a16="http://schemas.microsoft.com/office/drawing/2014/main" id="{7BCEA337-034C-FCB6-F8F9-DF029D6164B9}"/>
-              </a:ext>
-            </a:extLst>
-          </p:cNvPr>
-          <p:cNvCxnSpPr>
-            <a:cxnSpLocks/>
-          </p:cNvCxnSpPr>
-          <p:nvPr/>
-        </p:nvCxnSpPr>
-        <p:spPr>
-          <a:xfrm flipH="1" flipV="1">
-            <a:off x="8866413" y="1445983"/>
-            <a:ext cx="228601" cy="1680030"/>
-          </a:xfrm>
-          <a:prstGeom prst="straightConnector1">
-            <a:avLst/>
-          </a:prstGeom>
-          <a:ln>
-            <a:tailEnd type="triangle"/>
-          </a:ln>
-        </p:spPr>
-        <p:style>
-          <a:lnRef idx="1">
-            <a:schemeClr val="accent1"/>
-          </a:lnRef>
-          <a:fillRef idx="0">
-            <a:schemeClr val="accent1"/>
-          </a:fillRef>
-          <a:effectRef idx="0">
-            <a:schemeClr val="accent1"/>
-          </a:effectRef>
-          <a:fontRef idx="minor">
-            <a:schemeClr val="tx1"/>
-          </a:fontRef>
-        </p:style>
-      </p:cxnSp>
       <p:sp>
         <p:nvSpPr>
           <p:cNvPr id="20" name="화살표: 오른쪽 19">
@@ -4311,27 +4231,22 @@
       </p:sp>
       <p:cxnSp>
         <p:nvCxnSpPr>
-          <p:cNvPr id="49" name="직선 화살표 연결선 48">
-            <a:extLst>
-              <a:ext uri="{FF2B5EF4-FFF2-40B4-BE49-F238E27FC236}">
-                <a16:creationId xmlns:a16="http://schemas.microsoft.com/office/drawing/2014/main" id="{241E00D5-C2BB-B42E-B390-7A3996962147}"/>
-              </a:ext>
-            </a:extLst>
-          </p:cNvPr>
-          <p:cNvCxnSpPr>
-            <a:cxnSpLocks/>
-          </p:cNvCxnSpPr>
+          <p:cNvPr id="10" name="직선 화살표 연결선 9"/>
+          <p:cNvCxnSpPr/>
           <p:nvPr/>
         </p:nvCxnSpPr>
         <p:spPr>
           <a:xfrm flipV="1">
-            <a:off x="1987551" y="4852303"/>
-            <a:ext cx="3336469" cy="346531"/>
+            <a:off x="789709" y="1237273"/>
+            <a:ext cx="890319" cy="869113"/>
           </a:xfrm>
           <a:prstGeom prst="straightConnector1">
             <a:avLst/>
           </a:prstGeom>
           <a:ln>
+            <a:solidFill>
+              <a:srgbClr val="FF0000"/>
+            </a:solidFill>
             <a:tailEnd type="triangle"/>
           </a:ln>
         </p:spPr>
@@ -4352,27 +4267,22 @@
       </p:cxnSp>
       <p:cxnSp>
         <p:nvCxnSpPr>
-          <p:cNvPr id="50" name="직선 화살표 연결선 49">
-            <a:extLst>
-              <a:ext uri="{FF2B5EF4-FFF2-40B4-BE49-F238E27FC236}">
-                <a16:creationId xmlns:a16="http://schemas.microsoft.com/office/drawing/2014/main" id="{FEDA4AF7-AE3D-9524-A44D-7D967CE7E235}"/>
-              </a:ext>
-            </a:extLst>
-          </p:cNvPr>
-          <p:cNvCxnSpPr>
-            <a:cxnSpLocks/>
-          </p:cNvCxnSpPr>
+          <p:cNvPr id="23" name="직선 화살표 연결선 22"/>
+          <p:cNvCxnSpPr/>
           <p:nvPr/>
         </p:nvCxnSpPr>
         <p:spPr>
-          <a:xfrm flipV="1">
-            <a:off x="4264479" y="4870445"/>
-            <a:ext cx="1104898" cy="391888"/>
+          <a:xfrm flipH="1" flipV="1">
+            <a:off x="2734887" y="1237273"/>
+            <a:ext cx="814648" cy="1009538"/>
           </a:xfrm>
           <a:prstGeom prst="straightConnector1">
             <a:avLst/>
           </a:prstGeom>
           <a:ln>
+            <a:solidFill>
+              <a:srgbClr val="FF0000"/>
+            </a:solidFill>
             <a:tailEnd type="triangle"/>
           </a:ln>
         </p:spPr>
@@ -4393,27 +4303,22 @@
       </p:cxnSp>
       <p:cxnSp>
         <p:nvCxnSpPr>
-          <p:cNvPr id="51" name="직선 화살표 연결선 50">
-            <a:extLst>
-              <a:ext uri="{FF2B5EF4-FFF2-40B4-BE49-F238E27FC236}">
-                <a16:creationId xmlns:a16="http://schemas.microsoft.com/office/drawing/2014/main" id="{F14ECFE1-6E39-C0ED-A944-FE99EC51DD9C}"/>
-              </a:ext>
-            </a:extLst>
-          </p:cNvPr>
-          <p:cNvCxnSpPr>
-            <a:cxnSpLocks/>
-          </p:cNvCxnSpPr>
+          <p:cNvPr id="25" name="직선 화살표 연결선 24"/>
+          <p:cNvCxnSpPr/>
           <p:nvPr/>
         </p:nvCxnSpPr>
         <p:spPr>
-          <a:xfrm flipH="1" flipV="1">
-            <a:off x="5314948" y="4870444"/>
-            <a:ext cx="4238172" cy="373746"/>
+          <a:xfrm flipV="1">
+            <a:off x="7348451" y="1237273"/>
+            <a:ext cx="504676" cy="832371"/>
           </a:xfrm>
           <a:prstGeom prst="straightConnector1">
             <a:avLst/>
           </a:prstGeom>
           <a:ln>
+            <a:solidFill>
+              <a:srgbClr val="0070C0"/>
+            </a:solidFill>
             <a:tailEnd type="triangle"/>
           </a:ln>
         </p:spPr>
@@ -4434,27 +4339,22 @@
       </p:cxnSp>
       <p:cxnSp>
         <p:nvCxnSpPr>
-          <p:cNvPr id="52" name="직선 화살표 연결선 51">
-            <a:extLst>
-              <a:ext uri="{FF2B5EF4-FFF2-40B4-BE49-F238E27FC236}">
-                <a16:creationId xmlns:a16="http://schemas.microsoft.com/office/drawing/2014/main" id="{3DD71747-80E4-0E34-C531-674C76CBB4FF}"/>
-              </a:ext>
-            </a:extLst>
-          </p:cNvPr>
-          <p:cNvCxnSpPr>
-            <a:cxnSpLocks/>
-          </p:cNvCxnSpPr>
+          <p:cNvPr id="27" name="직선 화살표 연결선 26"/>
+          <p:cNvCxnSpPr/>
           <p:nvPr/>
         </p:nvCxnSpPr>
         <p:spPr>
           <a:xfrm flipH="1" flipV="1">
-            <a:off x="5360304" y="4906729"/>
-            <a:ext cx="1598387" cy="890817"/>
+            <a:off x="8819804" y="1237273"/>
+            <a:ext cx="58189" cy="1903252"/>
           </a:xfrm>
           <a:prstGeom prst="straightConnector1">
             <a:avLst/>
           </a:prstGeom>
           <a:ln>
+            <a:solidFill>
+              <a:srgbClr val="0070C0"/>
+            </a:solidFill>
             <a:tailEnd type="triangle"/>
           </a:ln>
         </p:spPr>
@@ -4475,27 +4375,22 @@
       </p:cxnSp>
       <p:cxnSp>
         <p:nvCxnSpPr>
-          <p:cNvPr id="53" name="직선 화살표 연결선 52">
-            <a:extLst>
-              <a:ext uri="{FF2B5EF4-FFF2-40B4-BE49-F238E27FC236}">
-                <a16:creationId xmlns:a16="http://schemas.microsoft.com/office/drawing/2014/main" id="{81393228-239F-025E-40C8-FCC4931424C0}"/>
-              </a:ext>
-            </a:extLst>
-          </p:cNvPr>
-          <p:cNvCxnSpPr>
-            <a:cxnSpLocks/>
-          </p:cNvCxnSpPr>
+          <p:cNvPr id="29" name="직선 화살표 연결선 28"/>
+          <p:cNvCxnSpPr/>
           <p:nvPr/>
         </p:nvCxnSpPr>
         <p:spPr>
-          <a:xfrm flipV="1">
-            <a:off x="3257547" y="4888586"/>
-            <a:ext cx="2111827" cy="890817"/>
+          <a:xfrm flipH="1" flipV="1">
+            <a:off x="9700953" y="1237273"/>
+            <a:ext cx="490451" cy="1140148"/>
           </a:xfrm>
           <a:prstGeom prst="straightConnector1">
             <a:avLst/>
           </a:prstGeom>
           <a:ln>
+            <a:solidFill>
+              <a:srgbClr val="0070C0"/>
+            </a:solidFill>
             <a:tailEnd type="triangle"/>
           </a:ln>
         </p:spPr>
@@ -4516,27 +4411,24 @@
       </p:cxnSp>
       <p:cxnSp>
         <p:nvCxnSpPr>
-          <p:cNvPr id="54" name="직선 화살표 연결선 53">
-            <a:extLst>
-              <a:ext uri="{FF2B5EF4-FFF2-40B4-BE49-F238E27FC236}">
-                <a16:creationId xmlns:a16="http://schemas.microsoft.com/office/drawing/2014/main" id="{F2704E6B-0C8B-EBE3-B8E7-3E129F522353}"/>
-              </a:ext>
-            </a:extLst>
-          </p:cNvPr>
+          <p:cNvPr id="31" name="직선 화살표 연결선 30"/>
           <p:cNvCxnSpPr>
-            <a:cxnSpLocks/>
+            <a:stCxn id="2" idx="0"/>
           </p:cNvCxnSpPr>
           <p:nvPr/>
         </p:nvCxnSpPr>
         <p:spPr>
           <a:xfrm flipV="1">
-            <a:off x="5035546" y="4870443"/>
-            <a:ext cx="306613" cy="1462316"/>
+            <a:off x="1928582" y="4815113"/>
+            <a:ext cx="132974" cy="339269"/>
           </a:xfrm>
           <a:prstGeom prst="straightConnector1">
             <a:avLst/>
           </a:prstGeom>
           <a:ln>
+            <a:solidFill>
+              <a:srgbClr val="00B050"/>
+            </a:solidFill>
             <a:tailEnd type="triangle"/>
           </a:ln>
         </p:spPr>
@@ -4557,27 +4449,22 @@
       </p:cxnSp>
       <p:cxnSp>
         <p:nvCxnSpPr>
-          <p:cNvPr id="55" name="직선 화살표 연결선 54">
-            <a:extLst>
-              <a:ext uri="{FF2B5EF4-FFF2-40B4-BE49-F238E27FC236}">
-                <a16:creationId xmlns:a16="http://schemas.microsoft.com/office/drawing/2014/main" id="{58502D38-E782-0202-FF28-E618780F019E}"/>
-              </a:ext>
-            </a:extLst>
-          </p:cNvPr>
-          <p:cNvCxnSpPr>
-            <a:cxnSpLocks/>
-          </p:cNvCxnSpPr>
+          <p:cNvPr id="33" name="직선 화살표 연결선 32"/>
+          <p:cNvCxnSpPr/>
           <p:nvPr/>
         </p:nvCxnSpPr>
         <p:spPr>
           <a:xfrm flipH="1" flipV="1">
-            <a:off x="5233302" y="4852300"/>
-            <a:ext cx="3839029" cy="1498601"/>
+            <a:off x="4513811" y="4815113"/>
+            <a:ext cx="8313" cy="339269"/>
           </a:xfrm>
           <a:prstGeom prst="straightConnector1">
             <a:avLst/>
           </a:prstGeom>
           <a:ln>
+            <a:solidFill>
+              <a:srgbClr val="00B050"/>
+            </a:solidFill>
             <a:tailEnd type="triangle"/>
           </a:ln>
         </p:spPr>
@@ -4596,6 +4483,398 @@
           </a:fontRef>
         </p:style>
       </p:cxnSp>
+      <p:cxnSp>
+        <p:nvCxnSpPr>
+          <p:cNvPr id="35" name="직선 화살표 연결선 34"/>
+          <p:cNvCxnSpPr/>
+          <p:nvPr/>
+        </p:nvCxnSpPr>
+        <p:spPr>
+          <a:xfrm flipH="1" flipV="1">
+            <a:off x="9046476" y="4815113"/>
+            <a:ext cx="297029" cy="375549"/>
+          </a:xfrm>
+          <a:prstGeom prst="straightConnector1">
+            <a:avLst/>
+          </a:prstGeom>
+          <a:ln>
+            <a:solidFill>
+              <a:srgbClr val="00B050"/>
+            </a:solidFill>
+            <a:tailEnd type="triangle"/>
+          </a:ln>
+        </p:spPr>
+        <p:style>
+          <a:lnRef idx="1">
+            <a:schemeClr val="accent1"/>
+          </a:lnRef>
+          <a:fillRef idx="0">
+            <a:schemeClr val="accent1"/>
+          </a:fillRef>
+          <a:effectRef idx="0">
+            <a:schemeClr val="accent1"/>
+          </a:effectRef>
+          <a:fontRef idx="minor">
+            <a:schemeClr val="tx1"/>
+          </a:fontRef>
+        </p:style>
+      </p:cxnSp>
+      <p:cxnSp>
+        <p:nvCxnSpPr>
+          <p:cNvPr id="37" name="직선 화살표 연결선 36"/>
+          <p:cNvCxnSpPr/>
+          <p:nvPr/>
+        </p:nvCxnSpPr>
+        <p:spPr>
+          <a:xfrm flipV="1">
+            <a:off x="2959331" y="4815113"/>
+            <a:ext cx="16625" cy="910766"/>
+          </a:xfrm>
+          <a:prstGeom prst="straightConnector1">
+            <a:avLst/>
+          </a:prstGeom>
+          <a:ln>
+            <a:solidFill>
+              <a:srgbClr val="00B050"/>
+            </a:solidFill>
+            <a:tailEnd type="triangle"/>
+          </a:ln>
+        </p:spPr>
+        <p:style>
+          <a:lnRef idx="1">
+            <a:schemeClr val="accent1"/>
+          </a:lnRef>
+          <a:fillRef idx="0">
+            <a:schemeClr val="accent1"/>
+          </a:fillRef>
+          <a:effectRef idx="0">
+            <a:schemeClr val="accent1"/>
+          </a:effectRef>
+          <a:fontRef idx="minor">
+            <a:schemeClr val="tx1"/>
+          </a:fontRef>
+        </p:style>
+      </p:cxnSp>
+      <p:cxnSp>
+        <p:nvCxnSpPr>
+          <p:cNvPr id="39" name="직선 화살표 연결선 38"/>
+          <p:cNvCxnSpPr/>
+          <p:nvPr/>
+        </p:nvCxnSpPr>
+        <p:spPr>
+          <a:xfrm flipV="1">
+            <a:off x="6685642" y="4815113"/>
+            <a:ext cx="0" cy="910766"/>
+          </a:xfrm>
+          <a:prstGeom prst="straightConnector1">
+            <a:avLst/>
+          </a:prstGeom>
+          <a:ln>
+            <a:solidFill>
+              <a:srgbClr val="00B050"/>
+            </a:solidFill>
+            <a:tailEnd type="triangle"/>
+          </a:ln>
+        </p:spPr>
+        <p:style>
+          <a:lnRef idx="1">
+            <a:schemeClr val="accent1"/>
+          </a:lnRef>
+          <a:fillRef idx="0">
+            <a:schemeClr val="accent1"/>
+          </a:fillRef>
+          <a:effectRef idx="0">
+            <a:schemeClr val="accent1"/>
+          </a:effectRef>
+          <a:fontRef idx="minor">
+            <a:schemeClr val="tx1"/>
+          </a:fontRef>
+        </p:style>
+      </p:cxnSp>
+      <p:cxnSp>
+        <p:nvCxnSpPr>
+          <p:cNvPr id="41" name="직선 화살표 연결선 40"/>
+          <p:cNvCxnSpPr/>
+          <p:nvPr/>
+        </p:nvCxnSpPr>
+        <p:spPr>
+          <a:xfrm flipV="1">
+            <a:off x="5070764" y="4815113"/>
+            <a:ext cx="765335" cy="1437230"/>
+          </a:xfrm>
+          <a:prstGeom prst="straightConnector1">
+            <a:avLst/>
+          </a:prstGeom>
+          <a:ln>
+            <a:solidFill>
+              <a:srgbClr val="00B050"/>
+            </a:solidFill>
+            <a:tailEnd type="triangle"/>
+          </a:ln>
+        </p:spPr>
+        <p:style>
+          <a:lnRef idx="1">
+            <a:schemeClr val="accent1"/>
+          </a:lnRef>
+          <a:fillRef idx="0">
+            <a:schemeClr val="accent1"/>
+          </a:fillRef>
+          <a:effectRef idx="0">
+            <a:schemeClr val="accent1"/>
+          </a:effectRef>
+          <a:fontRef idx="minor">
+            <a:schemeClr val="tx1"/>
+          </a:fontRef>
+        </p:style>
+      </p:cxnSp>
+      <p:cxnSp>
+        <p:nvCxnSpPr>
+          <p:cNvPr id="43" name="직선 화살표 연결선 42"/>
+          <p:cNvCxnSpPr/>
+          <p:nvPr/>
+        </p:nvCxnSpPr>
+        <p:spPr>
+          <a:xfrm flipH="1" flipV="1">
+            <a:off x="7705898" y="4815113"/>
+            <a:ext cx="382386" cy="1437230"/>
+          </a:xfrm>
+          <a:prstGeom prst="straightConnector1">
+            <a:avLst/>
+          </a:prstGeom>
+          <a:ln>
+            <a:solidFill>
+              <a:srgbClr val="00B050"/>
+            </a:solidFill>
+            <a:tailEnd type="triangle"/>
+          </a:ln>
+        </p:spPr>
+        <p:style>
+          <a:lnRef idx="1">
+            <a:schemeClr val="accent1"/>
+          </a:lnRef>
+          <a:fillRef idx="0">
+            <a:schemeClr val="accent1"/>
+          </a:fillRef>
+          <a:effectRef idx="0">
+            <a:schemeClr val="accent1"/>
+          </a:effectRef>
+          <a:fontRef idx="minor">
+            <a:schemeClr val="tx1"/>
+          </a:fontRef>
+        </p:style>
+      </p:cxnSp>
+      <p:cxnSp>
+        <p:nvCxnSpPr>
+          <p:cNvPr id="60" name="직선 화살표 연결선 59"/>
+          <p:cNvCxnSpPr/>
+          <p:nvPr/>
+        </p:nvCxnSpPr>
+        <p:spPr>
+          <a:xfrm flipV="1">
+            <a:off x="1143000" y="3931920"/>
+            <a:ext cx="0" cy="1113905"/>
+          </a:xfrm>
+          <a:prstGeom prst="straightConnector1">
+            <a:avLst/>
+          </a:prstGeom>
+          <a:ln>
+            <a:solidFill>
+              <a:schemeClr val="accent2"/>
+            </a:solidFill>
+            <a:tailEnd type="triangle"/>
+          </a:ln>
+        </p:spPr>
+        <p:style>
+          <a:lnRef idx="1">
+            <a:schemeClr val="accent1"/>
+          </a:lnRef>
+          <a:fillRef idx="0">
+            <a:schemeClr val="accent1"/>
+          </a:fillRef>
+          <a:effectRef idx="0">
+            <a:schemeClr val="accent1"/>
+          </a:effectRef>
+          <a:fontRef idx="minor">
+            <a:schemeClr val="tx1"/>
+          </a:fontRef>
+        </p:style>
+      </p:cxnSp>
+      <p:sp>
+        <p:nvSpPr>
+          <p:cNvPr id="61" name="TextBox 60"/>
+          <p:cNvSpPr txBox="1"/>
+          <p:nvPr/>
+        </p:nvSpPr>
+        <p:spPr>
+          <a:xfrm>
+            <a:off x="317476" y="3603878"/>
+            <a:ext cx="1553630" cy="369332"/>
+          </a:xfrm>
+          <a:prstGeom prst="rect">
+            <a:avLst/>
+          </a:prstGeom>
+          <a:noFill/>
+        </p:spPr>
+        <p:txBody>
+          <a:bodyPr wrap="none" rtlCol="0">
+            <a:spAutoFit/>
+          </a:bodyPr>
+          <a:lstStyle/>
+          <a:p>
+            <a:r>
+              <a:rPr lang="en-US" altLang="ko-KR" dirty="0" smtClean="0">
+                <a:latin typeface="Bahnschrift SemiLight Condensed" panose="020B0502040204020203" pitchFamily="34" charset="0"/>
+              </a:rPr>
+              <a:t>Statistical Models</a:t>
+            </a:r>
+            <a:endParaRPr lang="ko-KR" altLang="en-US" dirty="0">
+              <a:latin typeface="Bahnschrift SemiLight Condensed" panose="020B0502040204020203" pitchFamily="34" charset="0"/>
+            </a:endParaRPr>
+          </a:p>
+        </p:txBody>
+      </p:sp>
+      <p:cxnSp>
+        <p:nvCxnSpPr>
+          <p:cNvPr id="65" name="직선 화살표 연결선 64"/>
+          <p:cNvCxnSpPr/>
+          <p:nvPr/>
+        </p:nvCxnSpPr>
+        <p:spPr>
+          <a:xfrm>
+            <a:off x="8013693" y="5879767"/>
+            <a:ext cx="739609" cy="0"/>
+          </a:xfrm>
+          <a:prstGeom prst="straightConnector1">
+            <a:avLst/>
+          </a:prstGeom>
+          <a:ln>
+            <a:solidFill>
+              <a:schemeClr val="accent2"/>
+            </a:solidFill>
+            <a:tailEnd type="triangle"/>
+          </a:ln>
+        </p:spPr>
+        <p:style>
+          <a:lnRef idx="1">
+            <a:schemeClr val="accent1"/>
+          </a:lnRef>
+          <a:fillRef idx="0">
+            <a:schemeClr val="accent1"/>
+          </a:fillRef>
+          <a:effectRef idx="0">
+            <a:schemeClr val="accent1"/>
+          </a:effectRef>
+          <a:fontRef idx="minor">
+            <a:schemeClr val="tx1"/>
+          </a:fontRef>
+        </p:style>
+      </p:cxnSp>
+      <p:sp>
+        <p:nvSpPr>
+          <p:cNvPr id="66" name="TextBox 65"/>
+          <p:cNvSpPr txBox="1"/>
+          <p:nvPr/>
+        </p:nvSpPr>
+        <p:spPr>
+          <a:xfrm>
+            <a:off x="8714794" y="5685185"/>
+            <a:ext cx="2428870" cy="369332"/>
+          </a:xfrm>
+          <a:prstGeom prst="rect">
+            <a:avLst/>
+          </a:prstGeom>
+          <a:noFill/>
+        </p:spPr>
+        <p:txBody>
+          <a:bodyPr wrap="none" rtlCol="0">
+            <a:spAutoFit/>
+          </a:bodyPr>
+          <a:lstStyle/>
+          <a:p>
+            <a:r>
+              <a:rPr lang="en-US" altLang="ko-KR" dirty="0" smtClean="0">
+                <a:latin typeface="Bahnschrift SemiLight Condensed" panose="020B0502040204020203" pitchFamily="34" charset="0"/>
+              </a:rPr>
+              <a:t>Machine Learning Algorithms</a:t>
+            </a:r>
+            <a:endParaRPr lang="ko-KR" altLang="en-US" dirty="0">
+              <a:latin typeface="Bahnschrift SemiLight Condensed" panose="020B0502040204020203" pitchFamily="34" charset="0"/>
+            </a:endParaRPr>
+          </a:p>
+        </p:txBody>
+      </p:sp>
+      <p:cxnSp>
+        <p:nvCxnSpPr>
+          <p:cNvPr id="68" name="직선 화살표 연결선 67"/>
+          <p:cNvCxnSpPr>
+            <a:stCxn id="58" idx="1"/>
+          </p:cNvCxnSpPr>
+          <p:nvPr/>
+        </p:nvCxnSpPr>
+        <p:spPr>
+          <a:xfrm flipH="1" flipV="1">
+            <a:off x="3059084" y="6438252"/>
+            <a:ext cx="706581" cy="1"/>
+          </a:xfrm>
+          <a:prstGeom prst="straightConnector1">
+            <a:avLst/>
+          </a:prstGeom>
+          <a:ln>
+            <a:solidFill>
+              <a:schemeClr val="accent2"/>
+            </a:solidFill>
+            <a:tailEnd type="triangle"/>
+          </a:ln>
+        </p:spPr>
+        <p:style>
+          <a:lnRef idx="1">
+            <a:schemeClr val="accent1"/>
+          </a:lnRef>
+          <a:fillRef idx="0">
+            <a:schemeClr val="accent1"/>
+          </a:fillRef>
+          <a:effectRef idx="0">
+            <a:schemeClr val="accent1"/>
+          </a:effectRef>
+          <a:fontRef idx="minor">
+            <a:schemeClr val="tx1"/>
+          </a:fontRef>
+        </p:style>
+      </p:cxnSp>
+      <p:sp>
+        <p:nvSpPr>
+          <p:cNvPr id="69" name="TextBox 68"/>
+          <p:cNvSpPr txBox="1"/>
+          <p:nvPr/>
+        </p:nvSpPr>
+        <p:spPr>
+          <a:xfrm>
+            <a:off x="989866" y="6239678"/>
+            <a:ext cx="2162772" cy="369332"/>
+          </a:xfrm>
+          <a:prstGeom prst="rect">
+            <a:avLst/>
+          </a:prstGeom>
+          <a:noFill/>
+        </p:spPr>
+        <p:txBody>
+          <a:bodyPr wrap="none" rtlCol="0">
+            <a:spAutoFit/>
+          </a:bodyPr>
+          <a:lstStyle/>
+          <a:p>
+            <a:r>
+              <a:rPr lang="en-US" altLang="ko-KR" dirty="0" smtClean="0">
+                <a:latin typeface="Bahnschrift SemiLight Condensed" panose="020B0502040204020203" pitchFamily="34" charset="0"/>
+              </a:rPr>
+              <a:t>Deep Learning Algorithms</a:t>
+            </a:r>
+            <a:endParaRPr lang="ko-KR" altLang="en-US" dirty="0">
+              <a:latin typeface="Bahnschrift SemiLight Condensed" panose="020B0502040204020203" pitchFamily="34" charset="0"/>
+            </a:endParaRPr>
+          </a:p>
+        </p:txBody>
+      </p:sp>
     </p:spTree>
     <p:extLst>
       <p:ext uri="{BB962C8B-B14F-4D97-AF65-F5344CB8AC3E}">
